--- a/session5/presentation/Tkinter and PyQT GUI Development.pptx
+++ b/session5/presentation/Tkinter and PyQT GUI Development.pptx
@@ -42640,6 +42640,13 @@
   <p:clrMapOvr>
     <a:masterClrMapping/>
   </p:clrMapOvr>
+  <p:timing>
+    <p:tnLst>
+      <p:par>
+        <p:cTn id="1" dur="indefinite" restart="never" nodeType="tmRoot"/>
+      </p:par>
+    </p:tnLst>
+  </p:timing>
 </p:sld>
 </file>
 
@@ -42855,7 +42862,7 @@
         <p:spPr>
           <a:xfrm>
             <a:off x="417443" y="963276"/>
-            <a:ext cx="11357113" cy="2862322"/>
+            <a:ext cx="11357113" cy="3477875"/>
           </a:xfrm>
           <a:prstGeom prst="rect">
             <a:avLst/>
@@ -43001,19 +43008,6 @@
           <a:p>
             <a:pPr lvl="1"/>
             <a:r>
-              <a:rPr lang="en-US" sz="2000" b="1" dirty="0" err="1">
-                <a:solidFill>
-                  <a:schemeClr val="tx1">
-                    <a:lumMod val="95000"/>
-                    <a:lumOff val="5000"/>
-                  </a:schemeClr>
-                </a:solidFill>
-                <a:latin typeface="Consolas" panose="020B0609020204030204" pitchFamily="49" charset="0"/>
-                <a:cs typeface="Consolas" panose="020B0609020204030204" pitchFamily="49" charset="0"/>
-              </a:rPr>
-              <a:t>PyQT</a:t>
-            </a:r>
-            <a:r>
               <a:rPr lang="en-US" sz="2000" b="1" dirty="0">
                 <a:solidFill>
                   <a:schemeClr val="tx1">
@@ -43024,37 +43018,64 @@
                 <a:latin typeface="Consolas" panose="020B0609020204030204" pitchFamily="49" charset="0"/>
                 <a:cs typeface="Consolas" panose="020B0609020204030204" pitchFamily="49" charset="0"/>
               </a:rPr>
-              <a:t> </a:t>
-            </a:r>
-            <a:r>
-              <a:rPr lang="en-US" sz="2000" b="1" dirty="0" err="1">
-                <a:solidFill>
-                  <a:schemeClr val="tx1">
-                    <a:lumMod val="95000"/>
-                    <a:lumOff val="5000"/>
-                  </a:schemeClr>
-                </a:solidFill>
-                <a:latin typeface="Consolas" panose="020B0609020204030204" pitchFamily="49" charset="0"/>
-                <a:cs typeface="Consolas" panose="020B0609020204030204" pitchFamily="49" charset="0"/>
-              </a:rPr>
-              <a:t>fot</a:t>
-            </a:r>
-            <a:r>
-              <a:rPr lang="en-US" sz="2000" b="1" dirty="0">
-                <a:solidFill>
-                  <a:schemeClr val="tx1">
-                    <a:lumMod val="95000"/>
-                    <a:lumOff val="5000"/>
-                  </a:schemeClr>
-                </a:solidFill>
-                <a:latin typeface="Consolas" panose="020B0609020204030204" pitchFamily="49" charset="0"/>
-                <a:cs typeface="Consolas" panose="020B0609020204030204" pitchFamily="49" charset="0"/>
-              </a:rPr>
-              <a:t> windows:</a:t>
+              <a:t>PyQT fot windows</a:t>
+            </a:r>
+            <a:r>
+              <a:rPr lang="en-US" sz="2000" b="1" dirty="0" smtClean="0">
+                <a:solidFill>
+                  <a:schemeClr val="tx1">
+                    <a:lumMod val="95000"/>
+                    <a:lumOff val="5000"/>
+                  </a:schemeClr>
+                </a:solidFill>
+                <a:latin typeface="Consolas" panose="020B0609020204030204" pitchFamily="49" charset="0"/>
+                <a:cs typeface="Consolas" panose="020B0609020204030204" pitchFamily="49" charset="0"/>
+              </a:rPr>
+              <a:t>:</a:t>
             </a:r>
           </a:p>
           <a:p>
             <a:pPr lvl="1"/>
+            <a:endParaRPr lang="en-US" sz="2000" b="1" dirty="0">
+              <a:solidFill>
+                <a:schemeClr val="tx1">
+                  <a:lumMod val="95000"/>
+                  <a:lumOff val="5000"/>
+                </a:schemeClr>
+              </a:solidFill>
+              <a:latin typeface="Consolas" panose="020B0609020204030204" pitchFamily="49" charset="0"/>
+              <a:cs typeface="Consolas" panose="020B0609020204030204" pitchFamily="49" charset="0"/>
+            </a:endParaRPr>
+          </a:p>
+          <a:p>
+            <a:pPr lvl="1"/>
+            <a:r>
+              <a:rPr lang="en-US" sz="2000" b="1" smtClean="0">
+                <a:solidFill>
+                  <a:schemeClr val="tx1">
+                    <a:lumMod val="95000"/>
+                    <a:lumOff val="5000"/>
+                  </a:schemeClr>
+                </a:solidFill>
+                <a:latin typeface="Consolas" panose="020B0609020204030204" pitchFamily="49" charset="0"/>
+                <a:cs typeface="Consolas" panose="020B0609020204030204" pitchFamily="49" charset="0"/>
+                <a:hlinkClick r:id="rId2"/>
+              </a:rPr>
+              <a:t>Python 3.4 for windows needed (Download link)</a:t>
+            </a:r>
+            <a:endParaRPr lang="en-US" sz="2000" b="1" dirty="0">
+              <a:solidFill>
+                <a:schemeClr val="tx1">
+                  <a:lumMod val="95000"/>
+                  <a:lumOff val="5000"/>
+                </a:schemeClr>
+              </a:solidFill>
+              <a:latin typeface="Consolas" panose="020B0609020204030204" pitchFamily="49" charset="0"/>
+              <a:cs typeface="Consolas" panose="020B0609020204030204" pitchFamily="49" charset="0"/>
+            </a:endParaRPr>
+          </a:p>
+          <a:p>
+            <a:pPr lvl="1"/>
             <a:r>
               <a:rPr lang="en-US" sz="2000" b="1" i="1" dirty="0">
                 <a:solidFill>
@@ -43075,26 +43096,15 @@
               </a:rPr>
             </a:br>
             <a:r>
-              <a:rPr lang="en-US" sz="2000" b="1" i="1" dirty="0" err="1">
-                <a:solidFill>
-                  <a:srgbClr val="0070C0"/>
-                </a:solidFill>
-                <a:latin typeface="Consolas" panose="020B0609020204030204" pitchFamily="49" charset="0"/>
-                <a:cs typeface="Consolas" panose="020B0609020204030204" pitchFamily="49" charset="0"/>
-                <a:hlinkClick r:id="rId2"/>
-              </a:rPr>
-              <a:t>PyQT</a:t>
-            </a:r>
-            <a:r>
-              <a:rPr lang="en-US" sz="2000" b="1" i="1">
-                <a:solidFill>
-                  <a:srgbClr val="0070C0"/>
-                </a:solidFill>
-                <a:latin typeface="Consolas" panose="020B0609020204030204" pitchFamily="49" charset="0"/>
-                <a:cs typeface="Consolas" panose="020B0609020204030204" pitchFamily="49" charset="0"/>
-                <a:hlinkClick r:id="rId2"/>
-              </a:rPr>
-              <a:t> 4 windows version download link </a:t>
+              <a:rPr lang="en-US" sz="2000" b="1" i="1" dirty="0">
+                <a:solidFill>
+                  <a:srgbClr val="0070C0"/>
+                </a:solidFill>
+                <a:latin typeface="Consolas" panose="020B0609020204030204" pitchFamily="49" charset="0"/>
+                <a:cs typeface="Consolas" panose="020B0609020204030204" pitchFamily="49" charset="0"/>
+                <a:hlinkClick r:id="rId3"/>
+              </a:rPr>
+              <a:t>PyQT 4 windows version download link </a:t>
             </a:r>
             <a:endParaRPr lang="en-US" sz="2000" b="1" i="1" dirty="0">
               <a:solidFill>
@@ -43116,6 +43126,13 @@
   <p:clrMapOvr>
     <a:masterClrMapping/>
   </p:clrMapOvr>
+  <p:timing>
+    <p:tnLst>
+      <p:par>
+        <p:cTn id="1" dur="indefinite" restart="never" nodeType="tmRoot"/>
+      </p:par>
+    </p:tnLst>
+  </p:timing>
 </p:sld>
 </file>
 
@@ -43350,6 +43367,13 @@
   <p:clrMapOvr>
     <a:masterClrMapping/>
   </p:clrMapOvr>
+  <p:timing>
+    <p:tnLst>
+      <p:par>
+        <p:cTn id="1" dur="indefinite" restart="never" nodeType="tmRoot"/>
+      </p:par>
+    </p:tnLst>
+  </p:timing>
 </p:sld>
 </file>
 
@@ -43680,6 +43704,13 @@
   <p:clrMapOvr>
     <a:masterClrMapping/>
   </p:clrMapOvr>
+  <p:timing>
+    <p:tnLst>
+      <p:par>
+        <p:cTn id="1" dur="indefinite" restart="never" nodeType="tmRoot"/>
+      </p:par>
+    </p:tnLst>
+  </p:timing>
 </p:sld>
 </file>
 
